--- a/Transformers/blog_resources/graphics/QKV-1.pptx
+++ b/Transformers/blog_resources/graphics/QKV-1.pptx
@@ -2,12 +2,12 @@
 <file path=ppt/presentation.xml><?xml version="1.0" encoding="utf-8"?>
 <p:presentation xmlns:a="http://schemas.openxmlformats.org/drawingml/2006/main" xmlns:r="http://schemas.openxmlformats.org/officeDocument/2006/relationships" xmlns:p="http://schemas.openxmlformats.org/presentationml/2006/main" saveSubsetFonts="1">
   <p:sldMasterIdLst>
-    <p:sldMasterId id="2147483732" r:id="rId1"/>
+    <p:sldMasterId id="2147483744" r:id="rId1"/>
   </p:sldMasterIdLst>
   <p:sldIdLst>
     <p:sldId id="274" r:id="rId2"/>
   </p:sldIdLst>
-  <p:sldSz cx="16979900" cy="12734925"/>
+  <p:sldSz cx="22639338" cy="12734925"/>
   <p:notesSz cx="6858000" cy="9144000"/>
   <p:defaultTextStyle>
     <a:defPPr>
@@ -112,7 +112,7 @@
             <a:srgbClr val="A4A3A4"/>
           </p15:clr>
         </p15:guide>
-        <p15:guide id="2" pos="5393" userDrawn="1">
+        <p15:guide id="2" pos="7190" userDrawn="1">
           <p15:clr>
             <a:srgbClr val="A4A3A4"/>
           </p15:clr>
@@ -152,8 +152,8 @@
         </p:nvSpPr>
         <p:spPr>
           <a:xfrm>
-            <a:off x="1273493" y="2084166"/>
-            <a:ext cx="14432915" cy="4433641"/>
+            <a:off x="2829917" y="2084166"/>
+            <a:ext cx="16979504" cy="4433641"/>
           </a:xfrm>
         </p:spPr>
         <p:txBody>
@@ -184,8 +184,8 @@
         </p:nvSpPr>
         <p:spPr>
           <a:xfrm>
-            <a:off x="2122488" y="6688784"/>
-            <a:ext cx="12734925" cy="3074658"/>
+            <a:off x="2829917" y="6688784"/>
+            <a:ext cx="16979504" cy="3074658"/>
           </a:xfrm>
         </p:spPr>
         <p:txBody>
@@ -254,7 +254,7 @@
           <a:p>
             <a:fld id="{FB92FDD8-7731-4E46-9433-FCBAA3DC8EDF}" type="datetimeFigureOut">
               <a:rPr lang="en-GB" smtClean="0"/>
-              <a:t>21/08/2021</a:t>
+              <a:t>23/08/2021</a:t>
             </a:fld>
             <a:endParaRPr lang="en-GB"/>
           </a:p>
@@ -305,7 +305,7 @@
     </p:spTree>
     <p:extLst>
       <p:ext uri="{BB962C8B-B14F-4D97-AF65-F5344CB8AC3E}">
-        <p14:creationId xmlns:p14="http://schemas.microsoft.com/office/powerpoint/2010/main" val="1327212898"/>
+        <p14:creationId xmlns:p14="http://schemas.microsoft.com/office/powerpoint/2010/main" val="2469159282"/>
       </p:ext>
     </p:extLst>
   </p:cSld>
@@ -424,7 +424,7 @@
           <a:p>
             <a:fld id="{FB92FDD8-7731-4E46-9433-FCBAA3DC8EDF}" type="datetimeFigureOut">
               <a:rPr lang="en-GB" smtClean="0"/>
-              <a:t>21/08/2021</a:t>
+              <a:t>23/08/2021</a:t>
             </a:fld>
             <a:endParaRPr lang="en-GB"/>
           </a:p>
@@ -475,7 +475,7 @@
     </p:spTree>
     <p:extLst>
       <p:ext uri="{BB962C8B-B14F-4D97-AF65-F5344CB8AC3E}">
-        <p14:creationId xmlns:p14="http://schemas.microsoft.com/office/powerpoint/2010/main" val="583236033"/>
+        <p14:creationId xmlns:p14="http://schemas.microsoft.com/office/powerpoint/2010/main" val="297235781"/>
       </p:ext>
     </p:extLst>
   </p:cSld>
@@ -514,8 +514,8 @@
         </p:nvSpPr>
         <p:spPr>
           <a:xfrm>
-            <a:off x="12151242" y="678017"/>
-            <a:ext cx="3661291" cy="10792260"/>
+            <a:off x="16201276" y="678017"/>
+            <a:ext cx="4881607" cy="10792260"/>
           </a:xfrm>
         </p:spPr>
         <p:txBody>
@@ -542,8 +542,8 @@
         </p:nvSpPr>
         <p:spPr>
           <a:xfrm>
-            <a:off x="1167369" y="678017"/>
-            <a:ext cx="10771624" cy="10792260"/>
+            <a:off x="1556455" y="678017"/>
+            <a:ext cx="14361830" cy="10792260"/>
           </a:xfrm>
         </p:spPr>
         <p:txBody>
@@ -604,7 +604,7 @@
           <a:p>
             <a:fld id="{FB92FDD8-7731-4E46-9433-FCBAA3DC8EDF}" type="datetimeFigureOut">
               <a:rPr lang="en-GB" smtClean="0"/>
-              <a:t>21/08/2021</a:t>
+              <a:t>23/08/2021</a:t>
             </a:fld>
             <a:endParaRPr lang="en-GB"/>
           </a:p>
@@ -655,7 +655,7 @@
     </p:spTree>
     <p:extLst>
       <p:ext uri="{BB962C8B-B14F-4D97-AF65-F5344CB8AC3E}">
-        <p14:creationId xmlns:p14="http://schemas.microsoft.com/office/powerpoint/2010/main" val="694222079"/>
+        <p14:creationId xmlns:p14="http://schemas.microsoft.com/office/powerpoint/2010/main" val="3484127249"/>
       </p:ext>
     </p:extLst>
   </p:cSld>
@@ -774,7 +774,7 @@
           <a:p>
             <a:fld id="{FB92FDD8-7731-4E46-9433-FCBAA3DC8EDF}" type="datetimeFigureOut">
               <a:rPr lang="en-GB" smtClean="0"/>
-              <a:t>21/08/2021</a:t>
+              <a:t>23/08/2021</a:t>
             </a:fld>
             <a:endParaRPr lang="en-GB"/>
           </a:p>
@@ -825,7 +825,7 @@
     </p:spTree>
     <p:extLst>
       <p:ext uri="{BB962C8B-B14F-4D97-AF65-F5344CB8AC3E}">
-        <p14:creationId xmlns:p14="http://schemas.microsoft.com/office/powerpoint/2010/main" val="895854572"/>
+        <p14:creationId xmlns:p14="http://schemas.microsoft.com/office/powerpoint/2010/main" val="393312162"/>
       </p:ext>
     </p:extLst>
   </p:cSld>
@@ -864,8 +864,8 @@
         </p:nvSpPr>
         <p:spPr>
           <a:xfrm>
-            <a:off x="1158525" y="3174891"/>
-            <a:ext cx="14645164" cy="5297374"/>
+            <a:off x="1544663" y="3174889"/>
+            <a:ext cx="19526429" cy="5297374"/>
           </a:xfrm>
         </p:spPr>
         <p:txBody>
@@ -896,8 +896,8 @@
         </p:nvSpPr>
         <p:spPr>
           <a:xfrm>
-            <a:off x="1158525" y="8522381"/>
-            <a:ext cx="14645164" cy="2785764"/>
+            <a:off x="1544663" y="8522379"/>
+            <a:ext cx="19526429" cy="2785764"/>
           </a:xfrm>
         </p:spPr>
         <p:txBody>
@@ -907,7 +907,9 @@
               <a:buNone/>
               <a:defRPr sz="4457">
                 <a:solidFill>
-                  <a:schemeClr val="tx1"/>
+                  <a:schemeClr val="tx1">
+                    <a:tint val="75000"/>
+                  </a:schemeClr>
                 </a:solidFill>
               </a:defRPr>
             </a:lvl1pPr>
@@ -1018,7 +1020,7 @@
           <a:p>
             <a:fld id="{FB92FDD8-7731-4E46-9433-FCBAA3DC8EDF}" type="datetimeFigureOut">
               <a:rPr lang="en-GB" smtClean="0"/>
-              <a:t>21/08/2021</a:t>
+              <a:t>23/08/2021</a:t>
             </a:fld>
             <a:endParaRPr lang="en-GB"/>
           </a:p>
@@ -1069,7 +1071,7 @@
     </p:spTree>
     <p:extLst>
       <p:ext uri="{BB962C8B-B14F-4D97-AF65-F5344CB8AC3E}">
-        <p14:creationId xmlns:p14="http://schemas.microsoft.com/office/powerpoint/2010/main" val="171043243"/>
+        <p14:creationId xmlns:p14="http://schemas.microsoft.com/office/powerpoint/2010/main" val="1236086947"/>
       </p:ext>
     </p:extLst>
   </p:cSld>
@@ -1131,8 +1133,8 @@
         </p:nvSpPr>
         <p:spPr>
           <a:xfrm>
-            <a:off x="1167368" y="3390084"/>
-            <a:ext cx="7216458" cy="8080193"/>
+            <a:off x="1556454" y="3390084"/>
+            <a:ext cx="9621719" cy="8080193"/>
           </a:xfrm>
         </p:spPr>
         <p:txBody>
@@ -1188,8 +1190,8 @@
         </p:nvSpPr>
         <p:spPr>
           <a:xfrm>
-            <a:off x="8596074" y="3390084"/>
-            <a:ext cx="7216458" cy="8080193"/>
+            <a:off x="11461165" y="3390084"/>
+            <a:ext cx="9621719" cy="8080193"/>
           </a:xfrm>
         </p:spPr>
         <p:txBody>
@@ -1250,7 +1252,7 @@
           <a:p>
             <a:fld id="{FB92FDD8-7731-4E46-9433-FCBAA3DC8EDF}" type="datetimeFigureOut">
               <a:rPr lang="en-GB" smtClean="0"/>
-              <a:t>21/08/2021</a:t>
+              <a:t>23/08/2021</a:t>
             </a:fld>
             <a:endParaRPr lang="en-GB"/>
           </a:p>
@@ -1301,7 +1303,7 @@
     </p:spTree>
     <p:extLst>
       <p:ext uri="{BB962C8B-B14F-4D97-AF65-F5344CB8AC3E}">
-        <p14:creationId xmlns:p14="http://schemas.microsoft.com/office/powerpoint/2010/main" val="2453785386"/>
+        <p14:creationId xmlns:p14="http://schemas.microsoft.com/office/powerpoint/2010/main" val="3052440963"/>
       </p:ext>
     </p:extLst>
   </p:cSld>
@@ -1340,8 +1342,8 @@
         </p:nvSpPr>
         <p:spPr>
           <a:xfrm>
-            <a:off x="1169580" y="678020"/>
-            <a:ext cx="14645164" cy="2461497"/>
+            <a:off x="1559403" y="678018"/>
+            <a:ext cx="19526429" cy="2461497"/>
           </a:xfrm>
         </p:spPr>
         <p:txBody>
@@ -1368,8 +1370,8 @@
         </p:nvSpPr>
         <p:spPr>
           <a:xfrm>
-            <a:off x="1169582" y="3121826"/>
-            <a:ext cx="7183292" cy="1529959"/>
+            <a:off x="1559404" y="3121826"/>
+            <a:ext cx="9577500" cy="1529959"/>
           </a:xfrm>
         </p:spPr>
         <p:txBody>
@@ -1433,8 +1435,8 @@
         </p:nvSpPr>
         <p:spPr>
           <a:xfrm>
-            <a:off x="1169582" y="4651785"/>
-            <a:ext cx="7183292" cy="6842075"/>
+            <a:off x="1559404" y="4651785"/>
+            <a:ext cx="9577500" cy="6842075"/>
           </a:xfrm>
         </p:spPr>
         <p:txBody>
@@ -1490,8 +1492,8 @@
         </p:nvSpPr>
         <p:spPr>
           <a:xfrm>
-            <a:off x="8596075" y="3121826"/>
-            <a:ext cx="7218669" cy="1529959"/>
+            <a:off x="11461165" y="3121826"/>
+            <a:ext cx="9624667" cy="1529959"/>
           </a:xfrm>
         </p:spPr>
         <p:txBody>
@@ -1555,8 +1557,8 @@
         </p:nvSpPr>
         <p:spPr>
           <a:xfrm>
-            <a:off x="8596075" y="4651785"/>
-            <a:ext cx="7218669" cy="6842075"/>
+            <a:off x="11461165" y="4651785"/>
+            <a:ext cx="9624667" cy="6842075"/>
           </a:xfrm>
         </p:spPr>
         <p:txBody>
@@ -1617,7 +1619,7 @@
           <a:p>
             <a:fld id="{FB92FDD8-7731-4E46-9433-FCBAA3DC8EDF}" type="datetimeFigureOut">
               <a:rPr lang="en-GB" smtClean="0"/>
-              <a:t>21/08/2021</a:t>
+              <a:t>23/08/2021</a:t>
             </a:fld>
             <a:endParaRPr lang="en-GB"/>
           </a:p>
@@ -1668,7 +1670,7 @@
     </p:spTree>
     <p:extLst>
       <p:ext uri="{BB962C8B-B14F-4D97-AF65-F5344CB8AC3E}">
-        <p14:creationId xmlns:p14="http://schemas.microsoft.com/office/powerpoint/2010/main" val="3442386166"/>
+        <p14:creationId xmlns:p14="http://schemas.microsoft.com/office/powerpoint/2010/main" val="864315404"/>
       </p:ext>
     </p:extLst>
   </p:cSld>
@@ -1735,7 +1737,7 @@
           <a:p>
             <a:fld id="{FB92FDD8-7731-4E46-9433-FCBAA3DC8EDF}" type="datetimeFigureOut">
               <a:rPr lang="en-GB" smtClean="0"/>
-              <a:t>21/08/2021</a:t>
+              <a:t>23/08/2021</a:t>
             </a:fld>
             <a:endParaRPr lang="en-GB"/>
           </a:p>
@@ -1786,7 +1788,7 @@
     </p:spTree>
     <p:extLst>
       <p:ext uri="{BB962C8B-B14F-4D97-AF65-F5344CB8AC3E}">
-        <p14:creationId xmlns:p14="http://schemas.microsoft.com/office/powerpoint/2010/main" val="1296442737"/>
+        <p14:creationId xmlns:p14="http://schemas.microsoft.com/office/powerpoint/2010/main" val="1875108817"/>
       </p:ext>
     </p:extLst>
   </p:cSld>
@@ -1830,7 +1832,7 @@
           <a:p>
             <a:fld id="{FB92FDD8-7731-4E46-9433-FCBAA3DC8EDF}" type="datetimeFigureOut">
               <a:rPr lang="en-GB" smtClean="0"/>
-              <a:t>21/08/2021</a:t>
+              <a:t>23/08/2021</a:t>
             </a:fld>
             <a:endParaRPr lang="en-GB"/>
           </a:p>
@@ -1881,7 +1883,7 @@
     </p:spTree>
     <p:extLst>
       <p:ext uri="{BB962C8B-B14F-4D97-AF65-F5344CB8AC3E}">
-        <p14:creationId xmlns:p14="http://schemas.microsoft.com/office/powerpoint/2010/main" val="4232502821"/>
+        <p14:creationId xmlns:p14="http://schemas.microsoft.com/office/powerpoint/2010/main" val="1736507991"/>
       </p:ext>
     </p:extLst>
   </p:cSld>
@@ -1920,8 +1922,8 @@
         </p:nvSpPr>
         <p:spPr>
           <a:xfrm>
-            <a:off x="1169580" y="848995"/>
-            <a:ext cx="5476460" cy="2971483"/>
+            <a:off x="1559404" y="848995"/>
+            <a:ext cx="7301775" cy="2971483"/>
           </a:xfrm>
         </p:spPr>
         <p:txBody>
@@ -1952,8 +1954,8 @@
         </p:nvSpPr>
         <p:spPr>
           <a:xfrm>
-            <a:off x="7218669" y="1833596"/>
-            <a:ext cx="8596074" cy="9050051"/>
+            <a:off x="9624667" y="1833594"/>
+            <a:ext cx="11461165" cy="9050051"/>
           </a:xfrm>
         </p:spPr>
         <p:txBody>
@@ -2037,8 +2039,8 @@
         </p:nvSpPr>
         <p:spPr>
           <a:xfrm>
-            <a:off x="1169580" y="3820478"/>
-            <a:ext cx="5476460" cy="7077907"/>
+            <a:off x="1559404" y="3820478"/>
+            <a:ext cx="7301775" cy="7077907"/>
           </a:xfrm>
         </p:spPr>
         <p:txBody>
@@ -2107,7 +2109,7 @@
           <a:p>
             <a:fld id="{FB92FDD8-7731-4E46-9433-FCBAA3DC8EDF}" type="datetimeFigureOut">
               <a:rPr lang="en-GB" smtClean="0"/>
-              <a:t>21/08/2021</a:t>
+              <a:t>23/08/2021</a:t>
             </a:fld>
             <a:endParaRPr lang="en-GB"/>
           </a:p>
@@ -2158,7 +2160,7 @@
     </p:spTree>
     <p:extLst>
       <p:ext uri="{BB962C8B-B14F-4D97-AF65-F5344CB8AC3E}">
-        <p14:creationId xmlns:p14="http://schemas.microsoft.com/office/powerpoint/2010/main" val="2761197545"/>
+        <p14:creationId xmlns:p14="http://schemas.microsoft.com/office/powerpoint/2010/main" val="271246980"/>
       </p:ext>
     </p:extLst>
   </p:cSld>
@@ -2197,8 +2199,8 @@
         </p:nvSpPr>
         <p:spPr>
           <a:xfrm>
-            <a:off x="1169580" y="848995"/>
-            <a:ext cx="5476460" cy="2971483"/>
+            <a:off x="1559404" y="848995"/>
+            <a:ext cx="7301775" cy="2971483"/>
           </a:xfrm>
         </p:spPr>
         <p:txBody>
@@ -2229,8 +2231,8 @@
         </p:nvSpPr>
         <p:spPr>
           <a:xfrm>
-            <a:off x="7218669" y="1833596"/>
-            <a:ext cx="8596074" cy="9050051"/>
+            <a:off x="9624667" y="1833594"/>
+            <a:ext cx="11461165" cy="9050051"/>
           </a:xfrm>
         </p:spPr>
         <p:txBody>
@@ -2294,8 +2296,8 @@
         </p:nvSpPr>
         <p:spPr>
           <a:xfrm>
-            <a:off x="1169580" y="3820478"/>
-            <a:ext cx="5476460" cy="7077907"/>
+            <a:off x="1559404" y="3820478"/>
+            <a:ext cx="7301775" cy="7077907"/>
           </a:xfrm>
         </p:spPr>
         <p:txBody>
@@ -2364,7 +2366,7 @@
           <a:p>
             <a:fld id="{FB92FDD8-7731-4E46-9433-FCBAA3DC8EDF}" type="datetimeFigureOut">
               <a:rPr lang="en-GB" smtClean="0"/>
-              <a:t>21/08/2021</a:t>
+              <a:t>23/08/2021</a:t>
             </a:fld>
             <a:endParaRPr lang="en-GB"/>
           </a:p>
@@ -2415,7 +2417,7 @@
     </p:spTree>
     <p:extLst>
       <p:ext uri="{BB962C8B-B14F-4D97-AF65-F5344CB8AC3E}">
-        <p14:creationId xmlns:p14="http://schemas.microsoft.com/office/powerpoint/2010/main" val="2418481090"/>
+        <p14:creationId xmlns:p14="http://schemas.microsoft.com/office/powerpoint/2010/main" val="1948147563"/>
       </p:ext>
     </p:extLst>
   </p:cSld>
@@ -2459,8 +2461,8 @@
         </p:nvSpPr>
         <p:spPr>
           <a:xfrm>
-            <a:off x="1167368" y="678020"/>
-            <a:ext cx="14645164" cy="2461497"/>
+            <a:off x="1556455" y="678018"/>
+            <a:ext cx="19526429" cy="2461497"/>
           </a:xfrm>
           <a:prstGeom prst="rect">
             <a:avLst/>
@@ -2492,8 +2494,8 @@
         </p:nvSpPr>
         <p:spPr>
           <a:xfrm>
-            <a:off x="1167368" y="3390084"/>
-            <a:ext cx="14645164" cy="8080193"/>
+            <a:off x="1556455" y="3390084"/>
+            <a:ext cx="19526429" cy="8080193"/>
           </a:xfrm>
           <a:prstGeom prst="rect">
             <a:avLst/>
@@ -2554,8 +2556,8 @@
         </p:nvSpPr>
         <p:spPr>
           <a:xfrm>
-            <a:off x="1167368" y="11803392"/>
-            <a:ext cx="3820478" cy="678017"/>
+            <a:off x="1556455" y="11803390"/>
+            <a:ext cx="5093851" cy="678017"/>
           </a:xfrm>
           <a:prstGeom prst="rect">
             <a:avLst/>
@@ -2577,7 +2579,7 @@
           <a:p>
             <a:fld id="{FB92FDD8-7731-4E46-9433-FCBAA3DC8EDF}" type="datetimeFigureOut">
               <a:rPr lang="en-GB" smtClean="0"/>
-              <a:t>21/08/2021</a:t>
+              <a:t>23/08/2021</a:t>
             </a:fld>
             <a:endParaRPr lang="en-GB"/>
           </a:p>
@@ -2595,8 +2597,8 @@
         </p:nvSpPr>
         <p:spPr>
           <a:xfrm>
-            <a:off x="5624592" y="11803392"/>
-            <a:ext cx="5730716" cy="678017"/>
+            <a:off x="7499281" y="11803390"/>
+            <a:ext cx="7640777" cy="678017"/>
           </a:xfrm>
           <a:prstGeom prst="rect">
             <a:avLst/>
@@ -2632,8 +2634,8 @@
         </p:nvSpPr>
         <p:spPr>
           <a:xfrm>
-            <a:off x="11992054" y="11803392"/>
-            <a:ext cx="3820478" cy="678017"/>
+            <a:off x="15989032" y="11803390"/>
+            <a:ext cx="5093851" cy="678017"/>
           </a:xfrm>
           <a:prstGeom prst="rect">
             <a:avLst/>
@@ -2664,23 +2666,23 @@
     </p:spTree>
     <p:extLst>
       <p:ext uri="{BB962C8B-B14F-4D97-AF65-F5344CB8AC3E}">
-        <p14:creationId xmlns:p14="http://schemas.microsoft.com/office/powerpoint/2010/main" val="1849777870"/>
+        <p14:creationId xmlns:p14="http://schemas.microsoft.com/office/powerpoint/2010/main" val="1335612256"/>
       </p:ext>
     </p:extLst>
   </p:cSld>
   <p:clrMap bg1="lt1" tx1="dk1" bg2="lt2" tx2="dk2" accent1="accent1" accent2="accent2" accent3="accent3" accent4="accent4" accent5="accent5" accent6="accent6" hlink="hlink" folHlink="folHlink"/>
   <p:sldLayoutIdLst>
-    <p:sldLayoutId id="2147483733" r:id="rId1"/>
-    <p:sldLayoutId id="2147483734" r:id="rId2"/>
-    <p:sldLayoutId id="2147483735" r:id="rId3"/>
-    <p:sldLayoutId id="2147483736" r:id="rId4"/>
-    <p:sldLayoutId id="2147483737" r:id="rId5"/>
-    <p:sldLayoutId id="2147483738" r:id="rId6"/>
-    <p:sldLayoutId id="2147483739" r:id="rId7"/>
-    <p:sldLayoutId id="2147483740" r:id="rId8"/>
-    <p:sldLayoutId id="2147483741" r:id="rId9"/>
-    <p:sldLayoutId id="2147483742" r:id="rId10"/>
-    <p:sldLayoutId id="2147483743" r:id="rId11"/>
+    <p:sldLayoutId id="2147483745" r:id="rId1"/>
+    <p:sldLayoutId id="2147483746" r:id="rId2"/>
+    <p:sldLayoutId id="2147483747" r:id="rId3"/>
+    <p:sldLayoutId id="2147483748" r:id="rId4"/>
+    <p:sldLayoutId id="2147483749" r:id="rId5"/>
+    <p:sldLayoutId id="2147483750" r:id="rId6"/>
+    <p:sldLayoutId id="2147483751" r:id="rId7"/>
+    <p:sldLayoutId id="2147483752" r:id="rId8"/>
+    <p:sldLayoutId id="2147483753" r:id="rId9"/>
+    <p:sldLayoutId id="2147483754" r:id="rId10"/>
+    <p:sldLayoutId id="2147483755" r:id="rId11"/>
   </p:sldLayoutIdLst>
   <p:txStyles>
     <p:titleStyle>
@@ -2996,10 +2998,10 @@
         </p:nvGrpSpPr>
         <p:grpSpPr>
           <a:xfrm>
-            <a:off x="2060413" y="6747167"/>
-            <a:ext cx="2493116" cy="2606109"/>
+            <a:off x="2747153" y="6873723"/>
+            <a:ext cx="3324077" cy="3443965"/>
             <a:chOff x="682083" y="2077761"/>
-            <a:chExt cx="2493116" cy="2606109"/>
+            <a:chExt cx="2493116" cy="2583034"/>
           </a:xfrm>
         </p:grpSpPr>
         <p:grpSp>
@@ -3075,7 +3077,7 @@
               <a:lstStyle/>
               <a:p>
                 <a:pPr algn="ctr"/>
-                <a:endParaRPr lang="en-GB" dirty="0"/>
+                <a:endParaRPr lang="en-GB" sz="2400" dirty="0"/>
               </a:p>
             </p:txBody>
           </p:sp>
@@ -3132,7 +3134,7 @@
               <a:lstStyle/>
               <a:p>
                 <a:pPr algn="ctr"/>
-                <a:endParaRPr lang="en-GB"/>
+                <a:endParaRPr lang="en-GB" sz="2400"/>
               </a:p>
             </p:txBody>
           </p:sp>
@@ -3189,7 +3191,7 @@
               <a:lstStyle/>
               <a:p>
                 <a:pPr algn="ctr"/>
-                <a:endParaRPr lang="en-GB"/>
+                <a:endParaRPr lang="en-GB" sz="2400"/>
               </a:p>
             </p:txBody>
           </p:sp>
@@ -3246,7 +3248,7 @@
               <a:lstStyle/>
               <a:p>
                 <a:pPr algn="ctr"/>
-                <a:endParaRPr lang="en-GB"/>
+                <a:endParaRPr lang="en-GB" sz="2400"/>
               </a:p>
             </p:txBody>
           </p:sp>
@@ -3303,7 +3305,7 @@
               <a:lstStyle/>
               <a:p>
                 <a:pPr algn="ctr"/>
-                <a:endParaRPr lang="en-GB"/>
+                <a:endParaRPr lang="en-GB" sz="2400"/>
               </a:p>
             </p:txBody>
           </p:sp>
@@ -3381,7 +3383,7 @@
               <a:lstStyle/>
               <a:p>
                 <a:pPr algn="ctr"/>
-                <a:endParaRPr lang="en-GB"/>
+                <a:endParaRPr lang="en-GB" sz="2400"/>
               </a:p>
             </p:txBody>
           </p:sp>
@@ -3438,7 +3440,7 @@
               <a:lstStyle/>
               <a:p>
                 <a:pPr algn="ctr"/>
-                <a:endParaRPr lang="en-GB"/>
+                <a:endParaRPr lang="en-GB" sz="2400"/>
               </a:p>
             </p:txBody>
           </p:sp>
@@ -3495,7 +3497,7 @@
               <a:lstStyle/>
               <a:p>
                 <a:pPr algn="ctr"/>
-                <a:endParaRPr lang="en-GB"/>
+                <a:endParaRPr lang="en-GB" sz="2400"/>
               </a:p>
             </p:txBody>
           </p:sp>
@@ -3552,7 +3554,7 @@
               <a:lstStyle/>
               <a:p>
                 <a:pPr algn="ctr"/>
-                <a:endParaRPr lang="en-GB"/>
+                <a:endParaRPr lang="en-GB" sz="2400"/>
               </a:p>
             </p:txBody>
           </p:sp>
@@ -3609,7 +3611,7 @@
               <a:lstStyle/>
               <a:p>
                 <a:pPr algn="ctr"/>
-                <a:endParaRPr lang="en-GB"/>
+                <a:endParaRPr lang="en-GB" sz="2400"/>
               </a:p>
             </p:txBody>
           </p:sp>
@@ -3687,7 +3689,7 @@
               <a:lstStyle/>
               <a:p>
                 <a:pPr algn="ctr"/>
-                <a:endParaRPr lang="en-GB"/>
+                <a:endParaRPr lang="en-GB" sz="2400"/>
               </a:p>
             </p:txBody>
           </p:sp>
@@ -3744,7 +3746,7 @@
               <a:lstStyle/>
               <a:p>
                 <a:pPr algn="ctr"/>
-                <a:endParaRPr lang="en-GB"/>
+                <a:endParaRPr lang="en-GB" sz="2400"/>
               </a:p>
             </p:txBody>
           </p:sp>
@@ -3801,7 +3803,7 @@
               <a:lstStyle/>
               <a:p>
                 <a:pPr algn="ctr"/>
-                <a:endParaRPr lang="en-GB"/>
+                <a:endParaRPr lang="en-GB" sz="2400"/>
               </a:p>
             </p:txBody>
           </p:sp>
@@ -3858,7 +3860,7 @@
               <a:lstStyle/>
               <a:p>
                 <a:pPr algn="ctr"/>
-                <a:endParaRPr lang="en-GB"/>
+                <a:endParaRPr lang="en-GB" sz="2400"/>
               </a:p>
             </p:txBody>
           </p:sp>
@@ -3915,7 +3917,7 @@
               <a:lstStyle/>
               <a:p>
                 <a:pPr algn="ctr"/>
-                <a:endParaRPr lang="en-GB"/>
+                <a:endParaRPr lang="en-GB" sz="2400"/>
               </a:p>
             </p:txBody>
           </p:sp>
@@ -3993,7 +3995,7 @@
               <a:lstStyle/>
               <a:p>
                 <a:pPr algn="ctr"/>
-                <a:endParaRPr lang="en-GB"/>
+                <a:endParaRPr lang="en-GB" sz="2400"/>
               </a:p>
             </p:txBody>
           </p:sp>
@@ -4050,7 +4052,7 @@
               <a:lstStyle/>
               <a:p>
                 <a:pPr algn="ctr"/>
-                <a:endParaRPr lang="en-GB"/>
+                <a:endParaRPr lang="en-GB" sz="2400"/>
               </a:p>
             </p:txBody>
           </p:sp>
@@ -4107,7 +4109,7 @@
               <a:lstStyle/>
               <a:p>
                 <a:pPr algn="ctr"/>
-                <a:endParaRPr lang="en-GB"/>
+                <a:endParaRPr lang="en-GB" sz="2400"/>
               </a:p>
             </p:txBody>
           </p:sp>
@@ -4164,7 +4166,7 @@
               <a:lstStyle/>
               <a:p>
                 <a:pPr algn="ctr"/>
-                <a:endParaRPr lang="en-GB"/>
+                <a:endParaRPr lang="en-GB" sz="2400"/>
               </a:p>
             </p:txBody>
           </p:sp>
@@ -4221,7 +4223,7 @@
               <a:lstStyle/>
               <a:p>
                 <a:pPr algn="ctr"/>
-                <a:endParaRPr lang="en-GB"/>
+                <a:endParaRPr lang="en-GB" sz="2400"/>
               </a:p>
             </p:txBody>
           </p:sp>
@@ -4329,7 +4331,7 @@
           <p:spPr>
             <a:xfrm>
               <a:off x="1815029" y="2077761"/>
-              <a:ext cx="1120140" cy="338554"/>
+              <a:ext cx="1120140" cy="315430"/>
             </a:xfrm>
             <a:prstGeom prst="rect">
               <a:avLst/>
@@ -4344,13 +4346,13 @@
             <a:p>
               <a:pPr algn="ctr"/>
               <a:r>
-                <a:rPr lang="en-US" sz="1600" b="1" dirty="0">
+                <a:rPr lang="en-US" sz="2133" b="1" dirty="0">
                   <a:latin typeface="Consolas" panose="020B0609020204030204" pitchFamily="49" charset="0"/>
                   <a:cs typeface="Cordia New" panose="020B0304020202020204" pitchFamily="34" charset="-34"/>
                 </a:rPr>
                 <a:t>X</a:t>
               </a:r>
-              <a:endParaRPr lang="en-GB" sz="1600" b="1" dirty="0">
+              <a:endParaRPr lang="en-GB" sz="2133" b="1" dirty="0">
                 <a:latin typeface="Consolas" panose="020B0609020204030204" pitchFamily="49" charset="0"/>
                 <a:cs typeface="Cordia New" panose="020B0304020202020204" pitchFamily="34" charset="-34"/>
               </a:endParaRPr>
@@ -4372,7 +4374,7 @@
           <p:spPr>
             <a:xfrm>
               <a:off x="682083" y="3120042"/>
-              <a:ext cx="572876" cy="369332"/>
+              <a:ext cx="572876" cy="346257"/>
             </a:xfrm>
             <a:prstGeom prst="rect">
               <a:avLst/>
@@ -4386,14 +4388,14 @@
             <a:lstStyle/>
             <a:p>
               <a:r>
-                <a:rPr lang="en-US" dirty="0"/>
+                <a:rPr lang="en-US" sz="2400" dirty="0"/>
                 <a:t>N</a:t>
               </a:r>
               <a:r>
-                <a:rPr lang="en-US" baseline="-25000" dirty="0"/>
+                <a:rPr lang="en-US" sz="2400" baseline="-25000" dirty="0"/>
                 <a:t>X</a:t>
               </a:r>
-              <a:endParaRPr lang="en-GB" baseline="-25000" dirty="0"/>
+              <a:endParaRPr lang="en-GB" sz="2400" baseline="-25000" dirty="0"/>
             </a:p>
           </p:txBody>
         </p:sp>
@@ -4412,7 +4414,7 @@
           <p:spPr>
             <a:xfrm>
               <a:off x="2215079" y="4314538"/>
-              <a:ext cx="572876" cy="369332"/>
+              <a:ext cx="572876" cy="346257"/>
             </a:xfrm>
             <a:prstGeom prst="rect">
               <a:avLst/>
@@ -4426,14 +4428,14 @@
             <a:lstStyle/>
             <a:p>
               <a:r>
-                <a:rPr lang="en-US" dirty="0"/>
+                <a:rPr lang="en-US" sz="2400" dirty="0"/>
                 <a:t>D</a:t>
               </a:r>
               <a:r>
-                <a:rPr lang="en-US" baseline="-25000" dirty="0"/>
+                <a:rPr lang="en-US" sz="2400" baseline="-25000" dirty="0"/>
                 <a:t>X</a:t>
               </a:r>
-              <a:endParaRPr lang="en-GB" baseline="-25000" dirty="0"/>
+              <a:endParaRPr lang="en-GB" sz="2400" baseline="-25000" dirty="0"/>
             </a:p>
           </p:txBody>
         </p:sp>
@@ -4452,8 +4454,8 @@
         </p:nvGrpSpPr>
         <p:grpSpPr>
           <a:xfrm>
-            <a:off x="6329363" y="4328197"/>
-            <a:ext cx="2674437" cy="1636051"/>
+            <a:off x="8438954" y="3648506"/>
+            <a:ext cx="3565833" cy="2181350"/>
             <a:chOff x="4903112" y="2638856"/>
             <a:chExt cx="2674437" cy="1636051"/>
           </a:xfrm>
@@ -4506,7 +4508,7 @@
             <a:lstStyle/>
             <a:p>
               <a:pPr algn="ctr"/>
-              <a:endParaRPr lang="en-GB"/>
+              <a:endParaRPr lang="en-GB" sz="2400"/>
             </a:p>
           </p:txBody>
         </p:sp>
@@ -4545,7 +4547,7 @@
             <p:spPr>
               <a:xfrm>
                 <a:off x="7003055" y="5913434"/>
-                <a:ext cx="572876" cy="394731"/>
+                <a:ext cx="572876" cy="370069"/>
               </a:xfrm>
               <a:prstGeom prst="rect">
                 <a:avLst/>
@@ -4559,14 +4561,14 @@
               <a:lstStyle/>
               <a:p>
                 <a:r>
-                  <a:rPr lang="en-US" dirty="0"/>
+                  <a:rPr lang="en-US" sz="2400" dirty="0"/>
                   <a:t>D</a:t>
                 </a:r>
                 <a:r>
-                  <a:rPr lang="en-US" baseline="-25000" dirty="0"/>
+                  <a:rPr lang="en-US" sz="2400" baseline="-25000" dirty="0"/>
                   <a:t>Q</a:t>
                 </a:r>
-                <a:endParaRPr lang="en-GB" baseline="-25000" dirty="0"/>
+                <a:endParaRPr lang="en-GB" sz="2400" baseline="-25000" dirty="0"/>
               </a:p>
             </p:txBody>
           </p:sp>
@@ -4666,7 +4668,7 @@
             <p:spPr>
               <a:xfrm>
                 <a:off x="4381593" y="5937079"/>
-                <a:ext cx="572876" cy="394731"/>
+                <a:ext cx="572876" cy="370069"/>
               </a:xfrm>
               <a:prstGeom prst="rect">
                 <a:avLst/>
@@ -4680,14 +4682,14 @@
               <a:lstStyle/>
               <a:p>
                 <a:r>
-                  <a:rPr lang="en-US" dirty="0"/>
+                  <a:rPr lang="en-US" sz="2400" dirty="0"/>
                   <a:t>D</a:t>
                 </a:r>
                 <a:r>
-                  <a:rPr lang="en-US" baseline="-25000" dirty="0"/>
+                  <a:rPr lang="en-US" sz="2400" baseline="-25000" dirty="0"/>
                   <a:t>X</a:t>
                 </a:r>
-                <a:endParaRPr lang="en-GB" baseline="-25000" dirty="0"/>
+                <a:endParaRPr lang="en-GB" sz="2400" baseline="-25000" dirty="0"/>
               </a:p>
             </p:txBody>
           </p:sp>
@@ -4752,8 +4754,8 @@
         </p:nvSpPr>
         <p:spPr>
           <a:xfrm>
-            <a:off x="6228932" y="8755599"/>
-            <a:ext cx="3346762" cy="307777"/>
+            <a:off x="8305049" y="9551570"/>
+            <a:ext cx="4462245" cy="379656"/>
           </a:xfrm>
           <a:prstGeom prst="rect">
             <a:avLst/>
@@ -4768,42 +4770,42 @@
           <a:p>
             <a:pPr algn="ctr"/>
             <a:r>
-              <a:rPr lang="en-US" sz="1400" dirty="0"/>
+              <a:rPr lang="en-US" sz="1867" dirty="0"/>
               <a:t>W</a:t>
             </a:r>
             <a:r>
-              <a:rPr lang="en-US" sz="1400" baseline="-25000" dirty="0"/>
+              <a:rPr lang="en-US" sz="1867" baseline="-25000" dirty="0"/>
               <a:t>K</a:t>
             </a:r>
             <a:r>
-              <a:rPr lang="en-US" sz="1400" dirty="0"/>
+              <a:rPr lang="en-US" sz="1867" dirty="0"/>
               <a:t>: D</a:t>
             </a:r>
             <a:r>
-              <a:rPr lang="en-US" sz="1400" baseline="-25000" dirty="0"/>
+              <a:rPr lang="en-US" sz="1867" baseline="-25000" dirty="0"/>
               <a:t>X</a:t>
             </a:r>
             <a:r>
-              <a:rPr lang="en-US" sz="1400" dirty="0"/>
+              <a:rPr lang="en-US" sz="1867" dirty="0"/>
               <a:t> x D</a:t>
             </a:r>
             <a:r>
-              <a:rPr lang="en-US" sz="1400" baseline="-25000" dirty="0"/>
+              <a:rPr lang="en-US" sz="1867" baseline="-25000" dirty="0"/>
               <a:t>Q</a:t>
             </a:r>
             <a:r>
-              <a:rPr lang="en-US" sz="1400" dirty="0"/>
+              <a:rPr lang="en-US" sz="1867" dirty="0"/>
               <a:t> </a:t>
             </a:r>
             <a:r>
-              <a:rPr lang="en-US" sz="1400" i="1" dirty="0"/>
+              <a:rPr lang="en-US" sz="1867" i="1" dirty="0"/>
               <a:t>learned</a:t>
             </a:r>
             <a:r>
-              <a:rPr lang="en-US" sz="1400" dirty="0"/>
+              <a:rPr lang="en-US" sz="1867" dirty="0"/>
               <a:t> weights</a:t>
             </a:r>
-            <a:endParaRPr lang="en-GB" sz="1400" dirty="0"/>
+            <a:endParaRPr lang="en-GB" sz="1867" dirty="0"/>
           </a:p>
         </p:txBody>
       </p:sp>
@@ -4821,8 +4823,8 @@
         </p:nvGrpSpPr>
         <p:grpSpPr>
           <a:xfrm>
-            <a:off x="7253967" y="7355207"/>
-            <a:ext cx="648723" cy="1202987"/>
+            <a:off x="9671731" y="7684425"/>
+            <a:ext cx="864944" cy="1603945"/>
             <a:chOff x="5952972" y="4286923"/>
             <a:chExt cx="648723" cy="1202987"/>
           </a:xfrm>
@@ -4898,7 +4900,7 @@
               <a:lstStyle/>
               <a:p>
                 <a:pPr algn="ctr"/>
-                <a:endParaRPr lang="en-GB"/>
+                <a:endParaRPr lang="en-GB" sz="2400"/>
               </a:p>
             </p:txBody>
           </p:sp>
@@ -4953,7 +4955,7 @@
               <a:lstStyle/>
               <a:p>
                 <a:pPr algn="ctr"/>
-                <a:endParaRPr lang="en-GB"/>
+                <a:endParaRPr lang="en-GB" sz="2400"/>
               </a:p>
             </p:txBody>
           </p:sp>
@@ -5008,7 +5010,7 @@
               <a:lstStyle/>
               <a:p>
                 <a:pPr algn="ctr"/>
-                <a:endParaRPr lang="en-GB"/>
+                <a:endParaRPr lang="en-GB" sz="2400"/>
               </a:p>
             </p:txBody>
           </p:sp>
@@ -5084,7 +5086,7 @@
               <a:lstStyle/>
               <a:p>
                 <a:pPr algn="ctr"/>
-                <a:endParaRPr lang="en-GB"/>
+                <a:endParaRPr lang="en-GB" sz="2400"/>
               </a:p>
             </p:txBody>
           </p:sp>
@@ -5139,7 +5141,7 @@
               <a:lstStyle/>
               <a:p>
                 <a:pPr algn="ctr"/>
-                <a:endParaRPr lang="en-GB"/>
+                <a:endParaRPr lang="en-GB" sz="2400"/>
               </a:p>
             </p:txBody>
           </p:sp>
@@ -5194,7 +5196,7 @@
               <a:lstStyle/>
               <a:p>
                 <a:pPr algn="ctr"/>
-                <a:endParaRPr lang="en-GB"/>
+                <a:endParaRPr lang="en-GB" sz="2400"/>
               </a:p>
             </p:txBody>
           </p:sp>
@@ -5270,7 +5272,7 @@
               <a:lstStyle/>
               <a:p>
                 <a:pPr algn="ctr"/>
-                <a:endParaRPr lang="en-GB"/>
+                <a:endParaRPr lang="en-GB" sz="2400"/>
               </a:p>
             </p:txBody>
           </p:sp>
@@ -5325,7 +5327,7 @@
               <a:lstStyle/>
               <a:p>
                 <a:pPr algn="ctr"/>
-                <a:endParaRPr lang="en-GB"/>
+                <a:endParaRPr lang="en-GB" sz="2400"/>
               </a:p>
             </p:txBody>
           </p:sp>
@@ -5380,7 +5382,7 @@
               <a:lstStyle/>
               <a:p>
                 <a:pPr algn="ctr"/>
-                <a:endParaRPr lang="en-GB"/>
+                <a:endParaRPr lang="en-GB" sz="2400"/>
               </a:p>
             </p:txBody>
           </p:sp>
@@ -5456,7 +5458,7 @@
               <a:lstStyle/>
               <a:p>
                 <a:pPr algn="ctr"/>
-                <a:endParaRPr lang="en-GB"/>
+                <a:endParaRPr lang="en-GB" sz="2400"/>
               </a:p>
             </p:txBody>
           </p:sp>
@@ -5511,7 +5513,7 @@
               <a:lstStyle/>
               <a:p>
                 <a:pPr algn="ctr"/>
-                <a:endParaRPr lang="en-GB"/>
+                <a:endParaRPr lang="en-GB" sz="2400"/>
               </a:p>
             </p:txBody>
           </p:sp>
@@ -5566,7 +5568,7 @@
               <a:lstStyle/>
               <a:p>
                 <a:pPr algn="ctr"/>
-                <a:endParaRPr lang="en-GB"/>
+                <a:endParaRPr lang="en-GB" sz="2400"/>
               </a:p>
             </p:txBody>
           </p:sp>
@@ -5642,7 +5644,7 @@
               <a:lstStyle/>
               <a:p>
                 <a:pPr algn="ctr"/>
-                <a:endParaRPr lang="en-GB"/>
+                <a:endParaRPr lang="en-GB" sz="2400"/>
               </a:p>
             </p:txBody>
           </p:sp>
@@ -5697,7 +5699,7 @@
               <a:lstStyle/>
               <a:p>
                 <a:pPr algn="ctr"/>
-                <a:endParaRPr lang="en-GB"/>
+                <a:endParaRPr lang="en-GB" sz="2400"/>
               </a:p>
             </p:txBody>
           </p:sp>
@@ -5752,7 +5754,7 @@
               <a:lstStyle/>
               <a:p>
                 <a:pPr algn="ctr"/>
-                <a:endParaRPr lang="en-GB"/>
+                <a:endParaRPr lang="en-GB" sz="2400"/>
               </a:p>
             </p:txBody>
           </p:sp>
@@ -5772,10 +5774,10 @@
         </p:nvGrpSpPr>
         <p:grpSpPr>
           <a:xfrm>
-            <a:off x="2060420" y="4530294"/>
-            <a:ext cx="1732737" cy="1503035"/>
+            <a:off x="2747163" y="3917962"/>
+            <a:ext cx="2310262" cy="1973234"/>
             <a:chOff x="5019330" y="592754"/>
-            <a:chExt cx="1732737" cy="1503035"/>
+            <a:chExt cx="1732737" cy="1479960"/>
           </a:xfrm>
         </p:grpSpPr>
         <p:grpSp>
@@ -5848,7 +5850,7 @@
               <a:lstStyle/>
               <a:p>
                 <a:pPr algn="ctr"/>
-                <a:endParaRPr lang="en-GB"/>
+                <a:endParaRPr lang="en-GB" sz="2400"/>
               </a:p>
             </p:txBody>
           </p:sp>
@@ -5902,7 +5904,7 @@
               <a:lstStyle/>
               <a:p>
                 <a:pPr algn="ctr"/>
-                <a:endParaRPr lang="en-GB"/>
+                <a:endParaRPr lang="en-GB" sz="2400"/>
               </a:p>
             </p:txBody>
           </p:sp>
@@ -5956,7 +5958,7 @@
               <a:lstStyle/>
               <a:p>
                 <a:pPr algn="ctr"/>
-                <a:endParaRPr lang="en-GB"/>
+                <a:endParaRPr lang="en-GB" sz="2400"/>
               </a:p>
             </p:txBody>
           </p:sp>
@@ -6031,7 +6033,7 @@
               <a:lstStyle/>
               <a:p>
                 <a:pPr algn="ctr"/>
-                <a:endParaRPr lang="en-GB"/>
+                <a:endParaRPr lang="en-GB" sz="2400"/>
               </a:p>
             </p:txBody>
           </p:sp>
@@ -6085,7 +6087,7 @@
               <a:lstStyle/>
               <a:p>
                 <a:pPr algn="ctr"/>
-                <a:endParaRPr lang="en-GB"/>
+                <a:endParaRPr lang="en-GB" sz="2400"/>
               </a:p>
             </p:txBody>
           </p:sp>
@@ -6139,7 +6141,7 @@
               <a:lstStyle/>
               <a:p>
                 <a:pPr algn="ctr"/>
-                <a:endParaRPr lang="en-GB"/>
+                <a:endParaRPr lang="en-GB" sz="2400"/>
               </a:p>
             </p:txBody>
           </p:sp>
@@ -6159,7 +6161,7 @@
           <p:spPr>
             <a:xfrm>
               <a:off x="5631927" y="592754"/>
-              <a:ext cx="1120140" cy="338554"/>
+              <a:ext cx="1120140" cy="315430"/>
             </a:xfrm>
             <a:prstGeom prst="rect">
               <a:avLst/>
@@ -6174,13 +6176,13 @@
             <a:p>
               <a:pPr algn="ctr"/>
               <a:r>
-                <a:rPr lang="en-US" sz="1600" b="1" dirty="0">
+                <a:rPr lang="en-US" sz="2133" b="1" dirty="0">
                   <a:latin typeface="Consolas" panose="020B0609020204030204" pitchFamily="49" charset="0"/>
                   <a:cs typeface="Cordia New" panose="020B0304020202020204" pitchFamily="34" charset="-34"/>
                 </a:rPr>
                 <a:t>Q</a:t>
               </a:r>
-              <a:endParaRPr lang="en-GB" sz="1600" b="1" dirty="0">
+              <a:endParaRPr lang="en-GB" sz="2133" b="1" dirty="0">
                 <a:latin typeface="Consolas" panose="020B0609020204030204" pitchFamily="49" charset="0"/>
                 <a:cs typeface="Cordia New" panose="020B0304020202020204" pitchFamily="34" charset="-34"/>
               </a:endParaRPr>
@@ -6247,7 +6249,7 @@
           <p:spPr>
             <a:xfrm>
               <a:off x="5019330" y="1103022"/>
-              <a:ext cx="572876" cy="369332"/>
+              <a:ext cx="572876" cy="346257"/>
             </a:xfrm>
             <a:prstGeom prst="rect">
               <a:avLst/>
@@ -6261,14 +6263,14 @@
             <a:lstStyle/>
             <a:p>
               <a:r>
-                <a:rPr lang="en-US" dirty="0"/>
+                <a:rPr lang="en-US" sz="2400" dirty="0"/>
                 <a:t>N</a:t>
               </a:r>
               <a:r>
-                <a:rPr lang="en-US" baseline="-25000" dirty="0"/>
+                <a:rPr lang="en-US" sz="2400" baseline="-25000" dirty="0"/>
                 <a:t>Q</a:t>
               </a:r>
-              <a:endParaRPr lang="en-GB" baseline="-25000" dirty="0"/>
+              <a:endParaRPr lang="en-GB" sz="2400" baseline="-25000" dirty="0"/>
             </a:p>
           </p:txBody>
         </p:sp>
@@ -6332,7 +6334,7 @@
           <p:spPr>
             <a:xfrm>
               <a:off x="5961421" y="1726457"/>
-              <a:ext cx="479636" cy="369332"/>
+              <a:ext cx="479636" cy="346257"/>
             </a:xfrm>
             <a:prstGeom prst="rect">
               <a:avLst/>
@@ -6346,14 +6348,14 @@
             <a:lstStyle/>
             <a:p>
               <a:r>
-                <a:rPr lang="en-US" dirty="0"/>
+                <a:rPr lang="en-US" sz="2400" dirty="0"/>
                 <a:t>D</a:t>
               </a:r>
               <a:r>
-                <a:rPr lang="en-US" baseline="-25000" dirty="0"/>
+                <a:rPr lang="en-US" sz="2400" baseline="-25000" dirty="0"/>
                 <a:t>Q</a:t>
               </a:r>
-              <a:endParaRPr lang="en-GB" baseline="-25000" dirty="0"/>
+              <a:endParaRPr lang="en-GB" sz="2400" baseline="-25000" dirty="0"/>
             </a:p>
           </p:txBody>
         </p:sp>
@@ -6374,8 +6376,8 @@
         </p:nvCxnSpPr>
         <p:spPr>
           <a:xfrm>
-            <a:off x="4688441" y="7949848"/>
-            <a:ext cx="2410859" cy="0"/>
+            <a:off x="6251109" y="8477261"/>
+            <a:ext cx="3214404" cy="0"/>
           </a:xfrm>
           <a:prstGeom prst="straightConnector1">
             <a:avLst/>
@@ -6413,8 +6415,8 @@
         </p:nvSpPr>
         <p:spPr>
           <a:xfrm>
-            <a:off x="4804196" y="7635559"/>
-            <a:ext cx="2179348" cy="307777"/>
+            <a:off x="6228328" y="8063033"/>
+            <a:ext cx="3130559" cy="379656"/>
           </a:xfrm>
           <a:prstGeom prst="rect">
             <a:avLst/>
@@ -6429,34 +6431,34 @@
           <a:p>
             <a:pPr algn="ctr"/>
             <a:r>
-              <a:rPr lang="en-US" sz="1400" b="1" dirty="0"/>
+              <a:rPr lang="en-US" sz="1867" b="1" dirty="0"/>
               <a:t>K = X.W</a:t>
             </a:r>
             <a:r>
-              <a:rPr lang="en-US" sz="1400" b="1" baseline="-25000" dirty="0"/>
+              <a:rPr lang="en-US" sz="1867" b="1" baseline="-25000" dirty="0"/>
               <a:t>K</a:t>
             </a:r>
             <a:r>
-              <a:rPr lang="en-US" sz="1400" b="1" dirty="0"/>
+              <a:rPr lang="en-US" sz="1867" b="1" dirty="0"/>
               <a:t> </a:t>
             </a:r>
             <a:r>
-              <a:rPr lang="en-US" sz="1400" dirty="0"/>
-              <a:t>| Shape: N</a:t>
-            </a:r>
-            <a:r>
-              <a:rPr lang="en-US" sz="1400" baseline="-25000" dirty="0"/>
+              <a:rPr lang="en-US" sz="1867" dirty="0"/>
+              <a:t>| Shape of K: N</a:t>
+            </a:r>
+            <a:r>
+              <a:rPr lang="en-US" sz="1867" baseline="-25000" dirty="0"/>
               <a:t>X</a:t>
             </a:r>
             <a:r>
-              <a:rPr lang="en-US" sz="1400" dirty="0"/>
+              <a:rPr lang="en-US" sz="1867" dirty="0"/>
               <a:t> x D</a:t>
             </a:r>
             <a:r>
-              <a:rPr lang="en-US" sz="1400" baseline="-25000" dirty="0"/>
+              <a:rPr lang="en-US" sz="1867" baseline="-25000" dirty="0"/>
               <a:t>Q</a:t>
             </a:r>
-            <a:endParaRPr lang="en-GB" sz="1400" baseline="-25000" dirty="0"/>
+            <a:endParaRPr lang="en-GB" sz="1867" baseline="-25000" dirty="0"/>
           </a:p>
         </p:txBody>
       </p:sp>
@@ -6474,8 +6476,8 @@
         </p:nvSpPr>
         <p:spPr>
           <a:xfrm>
-            <a:off x="8304771" y="7437842"/>
-            <a:ext cx="2570901" cy="523220"/>
+            <a:off x="11072770" y="7794602"/>
+            <a:ext cx="3427788" cy="666977"/>
           </a:xfrm>
           <a:prstGeom prst="rect">
             <a:avLst/>
@@ -6489,18 +6491,18 @@
           <a:lstStyle/>
           <a:p>
             <a:r>
-              <a:rPr lang="en-US" sz="1400" dirty="0"/>
+              <a:rPr lang="en-US" sz="1867" dirty="0"/>
               <a:t>Linear transformation from </a:t>
             </a:r>
             <a:r>
-              <a:rPr lang="en-US" sz="1400" dirty="0" err="1"/>
+              <a:rPr lang="en-US" sz="1867" dirty="0" err="1"/>
               <a:t>i</a:t>
             </a:r>
             <a:r>
-              <a:rPr lang="en-US" sz="1400" dirty="0"/>
+              <a:rPr lang="en-US" sz="1867" dirty="0"/>
               <a:t>/p features matrix to Key matrix: </a:t>
             </a:r>
-            <a:endParaRPr lang="en-GB" sz="1400" dirty="0"/>
+            <a:endParaRPr lang="en-GB" sz="1867" dirty="0"/>
           </a:p>
         </p:txBody>
       </p:sp>
@@ -6518,10 +6520,10 @@
         </p:nvGrpSpPr>
         <p:grpSpPr>
           <a:xfrm>
-            <a:off x="11426203" y="6719247"/>
-            <a:ext cx="1552339" cy="2319844"/>
+            <a:off x="15234582" y="6836498"/>
+            <a:ext cx="2069737" cy="3062287"/>
             <a:chOff x="10136350" y="3877619"/>
-            <a:chExt cx="1552339" cy="2319844"/>
+            <a:chExt cx="1552339" cy="2296769"/>
           </a:xfrm>
         </p:grpSpPr>
         <p:grpSp>
@@ -6596,7 +6598,7 @@
               <a:lstStyle/>
               <a:p>
                 <a:pPr algn="ctr"/>
-                <a:endParaRPr lang="en-GB" dirty="0"/>
+                <a:endParaRPr lang="en-GB" sz="2400" dirty="0"/>
               </a:p>
             </p:txBody>
           </p:sp>
@@ -6652,7 +6654,7 @@
               <a:lstStyle/>
               <a:p>
                 <a:pPr algn="ctr"/>
-                <a:endParaRPr lang="en-GB" dirty="0"/>
+                <a:endParaRPr lang="en-GB" sz="2400" dirty="0"/>
               </a:p>
             </p:txBody>
           </p:sp>
@@ -6708,7 +6710,7 @@
               <a:lstStyle/>
               <a:p>
                 <a:pPr algn="ctr"/>
-                <a:endParaRPr lang="en-GB" dirty="0"/>
+                <a:endParaRPr lang="en-GB" sz="2400" dirty="0"/>
               </a:p>
             </p:txBody>
           </p:sp>
@@ -6785,7 +6787,7 @@
               <a:lstStyle/>
               <a:p>
                 <a:pPr algn="ctr"/>
-                <a:endParaRPr lang="en-GB" dirty="0"/>
+                <a:endParaRPr lang="en-GB" sz="2400" dirty="0"/>
               </a:p>
             </p:txBody>
           </p:sp>
@@ -6841,7 +6843,7 @@
               <a:lstStyle/>
               <a:p>
                 <a:pPr algn="ctr"/>
-                <a:endParaRPr lang="en-GB" dirty="0"/>
+                <a:endParaRPr lang="en-GB" sz="2400" dirty="0"/>
               </a:p>
             </p:txBody>
           </p:sp>
@@ -6897,7 +6899,7 @@
               <a:lstStyle/>
               <a:p>
                 <a:pPr algn="ctr"/>
-                <a:endParaRPr lang="en-GB" dirty="0"/>
+                <a:endParaRPr lang="en-GB" sz="2400" dirty="0"/>
               </a:p>
             </p:txBody>
           </p:sp>
@@ -6974,7 +6976,7 @@
               <a:lstStyle/>
               <a:p>
                 <a:pPr algn="ctr"/>
-                <a:endParaRPr lang="en-GB" dirty="0"/>
+                <a:endParaRPr lang="en-GB" sz="2400" dirty="0"/>
               </a:p>
             </p:txBody>
           </p:sp>
@@ -7030,7 +7032,7 @@
               <a:lstStyle/>
               <a:p>
                 <a:pPr algn="ctr"/>
-                <a:endParaRPr lang="en-GB" dirty="0"/>
+                <a:endParaRPr lang="en-GB" sz="2400" dirty="0"/>
               </a:p>
             </p:txBody>
           </p:sp>
@@ -7086,7 +7088,7 @@
               <a:lstStyle/>
               <a:p>
                 <a:pPr algn="ctr"/>
-                <a:endParaRPr lang="en-GB" dirty="0"/>
+                <a:endParaRPr lang="en-GB" sz="2400" dirty="0"/>
               </a:p>
             </p:txBody>
           </p:sp>
@@ -7163,7 +7165,7 @@
               <a:lstStyle/>
               <a:p>
                 <a:pPr algn="ctr"/>
-                <a:endParaRPr lang="en-GB" dirty="0"/>
+                <a:endParaRPr lang="en-GB" sz="2400" dirty="0"/>
               </a:p>
             </p:txBody>
           </p:sp>
@@ -7219,7 +7221,7 @@
               <a:lstStyle/>
               <a:p>
                 <a:pPr algn="ctr"/>
-                <a:endParaRPr lang="en-GB" dirty="0"/>
+                <a:endParaRPr lang="en-GB" sz="2400" dirty="0"/>
               </a:p>
             </p:txBody>
           </p:sp>
@@ -7275,7 +7277,7 @@
               <a:lstStyle/>
               <a:p>
                 <a:pPr algn="ctr"/>
-                <a:endParaRPr lang="en-GB" dirty="0"/>
+                <a:endParaRPr lang="en-GB" sz="2400" dirty="0"/>
               </a:p>
             </p:txBody>
           </p:sp>
@@ -7295,7 +7297,7 @@
           <p:spPr>
             <a:xfrm>
               <a:off x="10568549" y="3877619"/>
-              <a:ext cx="1120140" cy="338554"/>
+              <a:ext cx="1120140" cy="315430"/>
             </a:xfrm>
             <a:prstGeom prst="rect">
               <a:avLst/>
@@ -7310,13 +7312,13 @@
             <a:p>
               <a:pPr algn="ctr"/>
               <a:r>
-                <a:rPr lang="en-US" sz="1600" b="1" dirty="0">
+                <a:rPr lang="en-US" sz="2133" b="1" dirty="0">
                   <a:latin typeface="Consolas" panose="020B0609020204030204" pitchFamily="49" charset="0"/>
                   <a:cs typeface="Cordia New" panose="020B0304020202020204" pitchFamily="34" charset="-34"/>
                 </a:rPr>
                 <a:t>K</a:t>
               </a:r>
-              <a:endParaRPr lang="en-GB" sz="1600" b="1" dirty="0">
+              <a:endParaRPr lang="en-GB" sz="2133" b="1" dirty="0">
                 <a:latin typeface="Consolas" panose="020B0609020204030204" pitchFamily="49" charset="0"/>
                 <a:cs typeface="Cordia New" panose="020B0304020202020204" pitchFamily="34" charset="-34"/>
               </a:endParaRPr>
@@ -7383,7 +7385,7 @@
           <p:spPr>
             <a:xfrm>
               <a:off x="10136350" y="4756257"/>
-              <a:ext cx="572876" cy="369332"/>
+              <a:ext cx="572876" cy="346257"/>
             </a:xfrm>
             <a:prstGeom prst="rect">
               <a:avLst/>
@@ -7397,14 +7399,14 @@
             <a:lstStyle/>
             <a:p>
               <a:r>
-                <a:rPr lang="en-US" dirty="0"/>
+                <a:rPr lang="en-US" sz="2400" dirty="0"/>
                 <a:t>N</a:t>
               </a:r>
               <a:r>
-                <a:rPr lang="en-US" baseline="-25000" dirty="0"/>
+                <a:rPr lang="en-US" sz="2400" baseline="-25000" dirty="0"/>
                 <a:t>X</a:t>
               </a:r>
-              <a:endParaRPr lang="en-GB" baseline="-25000" dirty="0"/>
+              <a:endParaRPr lang="en-GB" sz="2400" baseline="-25000" dirty="0"/>
             </a:p>
           </p:txBody>
         </p:sp>
@@ -7468,7 +7470,7 @@
           <p:spPr>
             <a:xfrm>
               <a:off x="10888801" y="5828131"/>
-              <a:ext cx="479636" cy="369332"/>
+              <a:ext cx="479636" cy="346257"/>
             </a:xfrm>
             <a:prstGeom prst="rect">
               <a:avLst/>
@@ -7482,14 +7484,14 @@
             <a:lstStyle/>
             <a:p>
               <a:r>
-                <a:rPr lang="en-US" dirty="0"/>
+                <a:rPr lang="en-US" sz="2400" dirty="0"/>
                 <a:t>D</a:t>
               </a:r>
               <a:r>
-                <a:rPr lang="en-US" baseline="-25000" dirty="0"/>
+                <a:rPr lang="en-US" sz="2400" baseline="-25000" dirty="0"/>
                 <a:t>Q</a:t>
               </a:r>
-              <a:endParaRPr lang="en-GB" baseline="-25000" dirty="0"/>
+              <a:endParaRPr lang="en-GB" sz="2400" baseline="-25000" dirty="0"/>
             </a:p>
           </p:txBody>
         </p:sp>
@@ -7508,8 +7510,8 @@
         </p:nvSpPr>
         <p:spPr>
           <a:xfrm>
-            <a:off x="11685457" y="9089938"/>
-            <a:ext cx="3294518" cy="830997"/>
+            <a:off x="15580245" y="9997345"/>
+            <a:ext cx="4392588" cy="1077218"/>
           </a:xfrm>
           <a:prstGeom prst="rect">
             <a:avLst/>
@@ -7523,7 +7525,7 @@
           <a:lstStyle/>
           <a:p>
             <a:r>
-              <a:rPr lang="en-US" sz="1200" dirty="0">
+              <a:rPr lang="en-US" sz="1600" dirty="0">
                 <a:solidFill>
                   <a:srgbClr val="0000FF"/>
                 </a:solidFill>
@@ -7532,7 +7534,7 @@
               <a:t>Key matrix</a:t>
             </a:r>
             <a:br>
-              <a:rPr lang="en-US" sz="1200" dirty="0">
+              <a:rPr lang="en-US" sz="1600" dirty="0">
                 <a:solidFill>
                   <a:srgbClr val="0000FF"/>
                 </a:solidFill>
@@ -7540,7 +7542,7 @@
               </a:rPr>
             </a:br>
             <a:r>
-              <a:rPr lang="en-US" sz="1200" dirty="0">
+              <a:rPr lang="en-US" sz="1600" dirty="0">
                 <a:solidFill>
                   <a:srgbClr val="0000FF"/>
                 </a:solidFill>
@@ -7549,7 +7551,7 @@
               <a:t>Num rows: no of </a:t>
             </a:r>
             <a:r>
-              <a:rPr lang="en-US" sz="1200" dirty="0" err="1">
+              <a:rPr lang="en-US" sz="1600" dirty="0" err="1">
                 <a:solidFill>
                   <a:srgbClr val="0000FF"/>
                 </a:solidFill>
@@ -7558,7 +7560,7 @@
               <a:t>i</a:t>
             </a:r>
             <a:r>
-              <a:rPr lang="en-US" sz="1200" dirty="0">
+              <a:rPr lang="en-US" sz="1600" dirty="0">
                 <a:solidFill>
                   <a:srgbClr val="0000FF"/>
                 </a:solidFill>
@@ -7569,7 +7571,7 @@
           </a:p>
           <a:p>
             <a:r>
-              <a:rPr lang="en-US" sz="1200" dirty="0">
+              <a:rPr lang="en-US" sz="1600" dirty="0">
                 <a:solidFill>
                   <a:srgbClr val="0000FF"/>
                 </a:solidFill>
@@ -7594,8 +7596,8 @@
         </p:nvSpPr>
         <p:spPr>
           <a:xfrm>
-            <a:off x="10689725" y="5828840"/>
-            <a:ext cx="4496563" cy="646331"/>
+            <a:off x="14252635" y="5649316"/>
+            <a:ext cx="5995277" cy="830997"/>
           </a:xfrm>
           <a:prstGeom prst="rect">
             <a:avLst/>
@@ -7609,7 +7611,7 @@
           <a:lstStyle/>
           <a:p>
             <a:r>
-              <a:rPr lang="en-US" sz="1200" dirty="0">
+              <a:rPr lang="en-US" sz="1600" dirty="0">
                 <a:solidFill>
                   <a:srgbClr val="0000FF"/>
                 </a:solidFill>
@@ -7618,7 +7620,7 @@
               <a:t>Note that in terms of dimensionality the dimension of K is same as that of X earlier (N</a:t>
             </a:r>
             <a:r>
-              <a:rPr lang="en-US" sz="1200" baseline="-25000" dirty="0">
+              <a:rPr lang="en-US" sz="1600" baseline="-25000" dirty="0">
                 <a:solidFill>
                   <a:srgbClr val="0000FF"/>
                 </a:solidFill>
@@ -7627,7 +7629,7 @@
               <a:t>X</a:t>
             </a:r>
             <a:r>
-              <a:rPr lang="en-US" sz="1200" dirty="0">
+              <a:rPr lang="en-US" sz="1600" dirty="0">
                 <a:solidFill>
                   <a:srgbClr val="0000FF"/>
                 </a:solidFill>
@@ -7636,7 +7638,7 @@
               <a:t> x D</a:t>
             </a:r>
             <a:r>
-              <a:rPr lang="en-US" sz="1200" baseline="-25000" dirty="0">
+              <a:rPr lang="en-US" sz="1600" baseline="-25000" dirty="0">
                 <a:solidFill>
                   <a:srgbClr val="0000FF"/>
                 </a:solidFill>
@@ -7645,7 +7647,7 @@
               <a:t>Q</a:t>
             </a:r>
             <a:r>
-              <a:rPr lang="en-US" sz="1200" dirty="0">
+              <a:rPr lang="en-US" sz="1600" dirty="0">
                 <a:solidFill>
                   <a:srgbClr val="0000FF"/>
                 </a:solidFill>
@@ -7672,8 +7674,8 @@
         </p:nvCxnSpPr>
         <p:spPr>
           <a:xfrm flipV="1">
-            <a:off x="12990644" y="6383553"/>
-            <a:ext cx="452900" cy="1067266"/>
+            <a:off x="17320454" y="6388916"/>
+            <a:ext cx="603853" cy="1422988"/>
           </a:xfrm>
           <a:prstGeom prst="curvedConnector2">
             <a:avLst/>
@@ -7714,8 +7716,8 @@
         </p:nvSpPr>
         <p:spPr>
           <a:xfrm>
-            <a:off x="9003795" y="4525104"/>
-            <a:ext cx="2831058" cy="646331"/>
+            <a:off x="12004780" y="3911042"/>
+            <a:ext cx="3774656" cy="830997"/>
           </a:xfrm>
           <a:prstGeom prst="rect">
             <a:avLst/>
@@ -7729,7 +7731,7 @@
           <a:lstStyle/>
           <a:p>
             <a:r>
-              <a:rPr lang="en-US" sz="1200" dirty="0">
+              <a:rPr lang="en-US" sz="1600" dirty="0">
                 <a:solidFill>
                   <a:srgbClr val="0000FF"/>
                 </a:solidFill>
@@ -7756,8 +7758,8 @@
         </p:nvCxnSpPr>
         <p:spPr>
           <a:xfrm flipV="1">
-            <a:off x="8986578" y="5269927"/>
-            <a:ext cx="951067" cy="260888"/>
+            <a:off x="11981825" y="4904116"/>
+            <a:ext cx="1268060" cy="347843"/>
           </a:xfrm>
           <a:prstGeom prst="curvedConnector3">
             <a:avLst>
@@ -7800,8 +7802,8 @@
         </p:nvSpPr>
         <p:spPr>
           <a:xfrm>
-            <a:off x="1934194" y="6301625"/>
-            <a:ext cx="5610865" cy="307777"/>
+            <a:off x="2578866" y="6279681"/>
+            <a:ext cx="7480978" cy="379656"/>
           </a:xfrm>
           <a:prstGeom prst="rect">
             <a:avLst/>
@@ -7815,18 +7817,18 @@
           <a:lstStyle/>
           <a:p>
             <a:r>
-              <a:rPr lang="en-US" sz="1400" dirty="0"/>
+              <a:rPr lang="en-US" sz="1867" dirty="0"/>
               <a:t>D</a:t>
             </a:r>
             <a:r>
-              <a:rPr lang="en-US" sz="1400" baseline="-25000" dirty="0"/>
+              <a:rPr lang="en-US" sz="1867" baseline="-25000" dirty="0"/>
               <a:t>V </a:t>
             </a:r>
             <a:r>
-              <a:rPr lang="en-US" sz="1400" dirty="0"/>
+              <a:rPr lang="en-US" sz="1867" dirty="0"/>
               <a:t>: the number of o/p dimensions we want</a:t>
             </a:r>
-            <a:endParaRPr lang="en-GB" sz="1400" dirty="0"/>
+            <a:endParaRPr lang="en-GB" sz="1867" dirty="0"/>
           </a:p>
         </p:txBody>
       </p:sp>
@@ -7844,8 +7846,8 @@
         </p:nvSpPr>
         <p:spPr>
           <a:xfrm>
-            <a:off x="1324178" y="3080126"/>
-            <a:ext cx="3980213" cy="954107"/>
+            <a:off x="1765530" y="1984450"/>
+            <a:ext cx="5306827" cy="1241622"/>
           </a:xfrm>
           <a:prstGeom prst="rect">
             <a:avLst/>
@@ -7859,49 +7861,49 @@
           <a:lstStyle/>
           <a:p>
             <a:r>
-              <a:rPr lang="en-US" sz="1400" b="1" dirty="0"/>
+              <a:rPr lang="en-US" sz="1867" b="1" dirty="0"/>
               <a:t>Step 1</a:t>
             </a:r>
             <a:r>
-              <a:rPr lang="en-US" sz="1400" dirty="0"/>
+              <a:rPr lang="en-US" sz="1867" dirty="0"/>
               <a:t>: Define the inputs:</a:t>
             </a:r>
           </a:p>
           <a:p>
-            <a:pPr marL="342892" indent="-342892">
+            <a:pPr marL="457178" indent="-457178">
               <a:buAutoNum type="arabicPeriod"/>
             </a:pPr>
             <a:r>
-              <a:rPr lang="en-US" sz="1400" dirty="0"/>
+              <a:rPr lang="en-US" sz="1867" dirty="0"/>
               <a:t>Query matrix (Q)</a:t>
             </a:r>
           </a:p>
           <a:p>
-            <a:pPr marL="342892" indent="-342892">
+            <a:pPr marL="457178" indent="-457178">
               <a:buAutoNum type="arabicPeriod"/>
             </a:pPr>
             <a:r>
-              <a:rPr lang="en-US" sz="1400" dirty="0"/>
+              <a:rPr lang="en-US" sz="1867" dirty="0"/>
               <a:t>The number of o/p dimensions we want (D</a:t>
             </a:r>
             <a:r>
-              <a:rPr lang="en-US" sz="1400" baseline="-25000" dirty="0"/>
+              <a:rPr lang="en-US" sz="1867" baseline="-25000" dirty="0"/>
               <a:t>V</a:t>
             </a:r>
             <a:r>
-              <a:rPr lang="en-US" sz="1400" dirty="0"/>
+              <a:rPr lang="en-US" sz="1867" dirty="0"/>
               <a:t>)</a:t>
             </a:r>
           </a:p>
           <a:p>
-            <a:pPr marL="342892" indent="-342892">
+            <a:pPr marL="457178" indent="-457178">
               <a:buAutoNum type="arabicPeriod"/>
             </a:pPr>
             <a:r>
-              <a:rPr lang="en-US" sz="1400" dirty="0"/>
+              <a:rPr lang="en-US" sz="1867" dirty="0"/>
               <a:t>The input features matrix (X)</a:t>
             </a:r>
-            <a:endParaRPr lang="en-GB" sz="1400" dirty="0"/>
+            <a:endParaRPr lang="en-GB" sz="1867" dirty="0"/>
           </a:p>
         </p:txBody>
       </p:sp>
@@ -7919,8 +7921,8 @@
         </p:nvSpPr>
         <p:spPr>
           <a:xfrm>
-            <a:off x="5613173" y="3079433"/>
-            <a:ext cx="4579034" cy="523220"/>
+            <a:off x="7484056" y="1983526"/>
+            <a:ext cx="6105236" cy="666977"/>
           </a:xfrm>
           <a:prstGeom prst="rect">
             <a:avLst/>
@@ -7934,28 +7936,28 @@
           <a:lstStyle/>
           <a:p>
             <a:r>
-              <a:rPr lang="en-US" sz="1400" b="1" dirty="0"/>
+              <a:rPr lang="en-US" sz="1867" b="1" dirty="0"/>
               <a:t>Step 2</a:t>
             </a:r>
             <a:r>
-              <a:rPr lang="en-US" sz="1400" dirty="0"/>
+              <a:rPr lang="en-US" sz="1867" dirty="0"/>
               <a:t>: Linear transformation from </a:t>
             </a:r>
             <a:r>
-              <a:rPr lang="en-US" sz="1400" dirty="0" err="1"/>
+              <a:rPr lang="en-US" sz="1867" dirty="0" err="1"/>
               <a:t>i</a:t>
             </a:r>
             <a:r>
-              <a:rPr lang="en-US" sz="1400" dirty="0"/>
+              <a:rPr lang="en-US" sz="1867" dirty="0"/>
               <a:t>/p features matrix (X)</a:t>
             </a:r>
           </a:p>
           <a:p>
             <a:r>
-              <a:rPr lang="en-US" sz="1400" dirty="0"/>
+              <a:rPr lang="en-US" sz="1867" dirty="0"/>
               <a:t>to Key matrix (K)</a:t>
             </a:r>
-            <a:endParaRPr lang="en-GB" sz="1400" dirty="0"/>
+            <a:endParaRPr lang="en-GB" sz="1867" dirty="0"/>
           </a:p>
         </p:txBody>
       </p:sp>
@@ -7973,8 +7975,8 @@
         </p:nvSpPr>
         <p:spPr>
           <a:xfrm>
-            <a:off x="5102185" y="4851581"/>
-            <a:ext cx="1144860" cy="276999"/>
+            <a:off x="6802755" y="4346335"/>
+            <a:ext cx="1526444" cy="338554"/>
           </a:xfrm>
           <a:prstGeom prst="rect">
             <a:avLst/>
@@ -7988,7 +7990,7 @@
           <a:lstStyle/>
           <a:p>
             <a:r>
-              <a:rPr lang="en-US" sz="1200" dirty="0">
+              <a:rPr lang="en-US" sz="1600" dirty="0">
                 <a:solidFill>
                   <a:srgbClr val="0000FF"/>
                 </a:solidFill>
@@ -8013,8 +8015,8 @@
         </p:nvSpPr>
         <p:spPr>
           <a:xfrm>
-            <a:off x="1324178" y="5045223"/>
-            <a:ext cx="492705" cy="369332"/>
+            <a:off x="1765530" y="4604519"/>
+            <a:ext cx="656925" cy="461665"/>
           </a:xfrm>
           <a:prstGeom prst="rect">
             <a:avLst/>
@@ -8028,10 +8030,10 @@
           <a:lstStyle/>
           <a:p>
             <a:r>
-              <a:rPr lang="en-US" dirty="0"/>
+              <a:rPr lang="en-US" sz="2400" dirty="0"/>
               <a:t>1.</a:t>
             </a:r>
-            <a:endParaRPr lang="en-GB" dirty="0"/>
+            <a:endParaRPr lang="en-GB" sz="2400" dirty="0"/>
           </a:p>
         </p:txBody>
       </p:sp>
@@ -8049,8 +8051,8 @@
         </p:nvSpPr>
         <p:spPr>
           <a:xfrm>
-            <a:off x="1324178" y="6270028"/>
-            <a:ext cx="492705" cy="369332"/>
+            <a:off x="1765530" y="6237554"/>
+            <a:ext cx="656925" cy="461665"/>
           </a:xfrm>
           <a:prstGeom prst="rect">
             <a:avLst/>
@@ -8064,10 +8066,10 @@
           <a:lstStyle/>
           <a:p>
             <a:r>
-              <a:rPr lang="en-US" dirty="0"/>
+              <a:rPr lang="en-US" sz="2400" dirty="0"/>
               <a:t>2.</a:t>
             </a:r>
-            <a:endParaRPr lang="en-GB" dirty="0"/>
+            <a:endParaRPr lang="en-GB" sz="2400" dirty="0"/>
           </a:p>
         </p:txBody>
       </p:sp>
@@ -8085,8 +8087,8 @@
         </p:nvSpPr>
         <p:spPr>
           <a:xfrm>
-            <a:off x="1321230" y="7614912"/>
-            <a:ext cx="492705" cy="369332"/>
+            <a:off x="1761600" y="8030690"/>
+            <a:ext cx="656925" cy="461665"/>
           </a:xfrm>
           <a:prstGeom prst="rect">
             <a:avLst/>
@@ -8100,10 +8102,10 @@
           <a:lstStyle/>
           <a:p>
             <a:r>
-              <a:rPr lang="en-US" dirty="0"/>
+              <a:rPr lang="en-US" sz="2400" dirty="0"/>
               <a:t>3.</a:t>
             </a:r>
-            <a:endParaRPr lang="en-GB" dirty="0"/>
+            <a:endParaRPr lang="en-GB" sz="2400" dirty="0"/>
           </a:p>
         </p:txBody>
       </p:sp>
@@ -8123,8 +8125,8 @@
         </p:nvCxnSpPr>
         <p:spPr>
           <a:xfrm flipH="1">
-            <a:off x="7579011" y="5934704"/>
-            <a:ext cx="1029" cy="1390959"/>
+            <a:off x="10105113" y="5790465"/>
+            <a:ext cx="1372" cy="1854569"/>
           </a:xfrm>
           <a:prstGeom prst="straightConnector1">
             <a:avLst/>
@@ -8164,8 +8166,8 @@
         </p:nvCxnSpPr>
         <p:spPr>
           <a:xfrm flipV="1">
-            <a:off x="8008465" y="7949848"/>
-            <a:ext cx="3269135" cy="11214"/>
+            <a:off x="10677705" y="8477261"/>
+            <a:ext cx="4358745" cy="14952"/>
           </a:xfrm>
           <a:prstGeom prst="straightConnector1">
             <a:avLst/>
@@ -9162,7 +9164,7 @@
                         <p:par>
                           <p:cTn id="85" fill="hold">
                             <p:stCondLst>
-                              <p:cond delay="15750"/>
+                              <p:cond delay="15850"/>
                             </p:stCondLst>
                             <p:childTnLst>
                               <p:par>
@@ -9290,7 +9292,7 @@
                         <p:par>
                           <p:cTn id="92" fill="hold">
                             <p:stCondLst>
-                              <p:cond delay="16250"/>
+                              <p:cond delay="16350"/>
                             </p:stCondLst>
                             <p:childTnLst>
                               <p:par>
@@ -9337,7 +9339,7 @@
                         <p:par>
                           <p:cTn id="96" fill="hold">
                             <p:stCondLst>
-                              <p:cond delay="17300"/>
+                              <p:cond delay="17400"/>
                             </p:stCondLst>
                             <p:childTnLst>
                               <p:par>
@@ -9381,7 +9383,7 @@
                         <p:par>
                           <p:cTn id="100" fill="hold">
                             <p:stCondLst>
-                              <p:cond delay="17800"/>
+                              <p:cond delay="17900"/>
                             </p:stCondLst>
                             <p:childTnLst>
                               <p:par>
@@ -9428,7 +9430,7 @@
                         <p:par>
                           <p:cTn id="104" fill="hold">
                             <p:stCondLst>
-                              <p:cond delay="19350"/>
+                              <p:cond delay="19450"/>
                             </p:stCondLst>
                             <p:childTnLst>
                               <p:par>
@@ -9472,7 +9474,7 @@
                         <p:par>
                           <p:cTn id="108" fill="hold">
                             <p:stCondLst>
-                              <p:cond delay="19850"/>
+                              <p:cond delay="19950"/>
                             </p:stCondLst>
                             <p:childTnLst>
                               <p:par>
@@ -9504,7 +9506,7 @@
                                     </p:set>
                                     <p:animEffect transition="in" filter="fade">
                                       <p:cBhvr>
-                                        <p:cTn id="111" dur="500"/>
+                                        <p:cTn id="111" dur="1000"/>
                                         <p:tgtEl>
                                           <p:spTgt spid="160"/>
                                         </p:tgtEl>
